--- a/W06-DSCForITOps.pptx
+++ b/W06-DSCForITOps.pptx
@@ -333,7 +333,7 @@
           <a:p>
             <a:fld id="{574090A4-23EE-3E40-9A6B-6D1C613F448F}" type="datetimeFigureOut">
               <a:rPr lang="en-US" smtClean="0"/>
-              <a:t>7/5/17</a:t>
+              <a:t>8/8/17</a:t>
             </a:fld>
             <a:endParaRPr lang="en-US"/>
           </a:p>
@@ -967,7 +967,7 @@
               <a:pPr>
                 <a:defRPr/>
               </a:pPr>
-              <a:t>7/5/17</a:t>
+              <a:t>8/8/17</a:t>
             </a:fld>
             <a:endParaRPr lang="en-US">
               <a:solidFill>
@@ -1230,7 +1230,7 @@
               <a:pPr>
                 <a:defRPr/>
               </a:pPr>
-              <a:t>7/5/17</a:t>
+              <a:t>8/8/17</a:t>
             </a:fld>
             <a:endParaRPr lang="en-US">
               <a:solidFill>
@@ -1407,7 +1407,7 @@
               <a:pPr>
                 <a:defRPr/>
               </a:pPr>
-              <a:t>7/5/17</a:t>
+              <a:t>8/8/17</a:t>
             </a:fld>
             <a:endParaRPr lang="en-US">
               <a:solidFill>
@@ -1594,7 +1594,7 @@
               <a:pPr>
                 <a:defRPr/>
               </a:pPr>
-              <a:t>7/5/17</a:t>
+              <a:t>8/8/17</a:t>
             </a:fld>
             <a:endParaRPr lang="en-US">
               <a:solidFill>
@@ -2183,7 +2183,7 @@
               <a:pPr>
                 <a:defRPr/>
               </a:pPr>
-              <a:t>7/5/17</a:t>
+              <a:t>8/8/17</a:t>
             </a:fld>
             <a:endParaRPr lang="en-US">
               <a:solidFill>
@@ -2367,7 +2367,7 @@
               <a:pPr>
                 <a:defRPr/>
               </a:pPr>
-              <a:t>7/5/17</a:t>
+              <a:t>8/8/17</a:t>
             </a:fld>
             <a:endParaRPr lang="en-US" dirty="0">
               <a:solidFill>
@@ -2627,7 +2627,7 @@
               <a:pPr>
                 <a:defRPr/>
               </a:pPr>
-              <a:t>7/5/17</a:t>
+              <a:t>8/8/17</a:t>
             </a:fld>
             <a:endParaRPr lang="en-US">
               <a:solidFill>
@@ -2922,7 +2922,7 @@
               <a:pPr>
                 <a:defRPr/>
               </a:pPr>
-              <a:t>7/5/17</a:t>
+              <a:t>8/8/17</a:t>
             </a:fld>
             <a:endParaRPr lang="en-US">
               <a:solidFill>
@@ -3356,7 +3356,7 @@
               <a:pPr>
                 <a:defRPr/>
               </a:pPr>
-              <a:t>7/5/17</a:t>
+              <a:t>8/8/17</a:t>
             </a:fld>
             <a:endParaRPr lang="en-US">
               <a:solidFill>
@@ -3481,7 +3481,7 @@
               <a:pPr>
                 <a:defRPr/>
               </a:pPr>
-              <a:t>7/5/17</a:t>
+              <a:t>8/8/17</a:t>
             </a:fld>
             <a:endParaRPr lang="en-US">
               <a:solidFill>
@@ -3583,7 +3583,7 @@
               <a:pPr>
                 <a:defRPr/>
               </a:pPr>
-              <a:t>7/5/17</a:t>
+              <a:t>8/8/17</a:t>
             </a:fld>
             <a:endParaRPr lang="en-US">
               <a:solidFill>
@@ -4127,7 +4127,7 @@
               <a:pPr defTabSz="914400">
                 <a:defRPr/>
               </a:pPr>
-              <a:t>7/5/17</a:t>
+              <a:t>8/8/17</a:t>
             </a:fld>
             <a:endParaRPr lang="en-US">
               <a:solidFill>
@@ -5241,26 +5241,17 @@
               <a:rPr lang="en-US" sz="3000" dirty="0" smtClean="0"/>
               <a:t>Resources</a:t>
             </a:r>
-            <a:endParaRPr lang="en-US" sz="3000" dirty="0" smtClean="0"/>
           </a:p>
           <a:p>
             <a:r>
               <a:rPr lang="en-US" sz="3000" dirty="0" smtClean="0"/>
-              <a:t>Custom </a:t>
-            </a:r>
+              <a:t>Custom Resources</a:t>
+            </a:r>
+          </a:p>
+          <a:p>
             <a:r>
               <a:rPr lang="en-US" sz="3000" dirty="0" smtClean="0"/>
-              <a:t>Resources</a:t>
-            </a:r>
-          </a:p>
-          <a:p>
-            <a:r>
-              <a:rPr lang="en-US" sz="3000" dirty="0" smtClean="0"/>
-              <a:t>Advanced </a:t>
-            </a:r>
-            <a:r>
-              <a:rPr lang="en-US" sz="3000" dirty="0" smtClean="0"/>
-              <a:t>Configurations </a:t>
+              <a:t>Advanced Configurations </a:t>
             </a:r>
             <a:r>
               <a:rPr lang="mr-IN" sz="3000" dirty="0" smtClean="0"/>
@@ -5270,7 +5261,6 @@
               <a:rPr lang="en-US" sz="3000" dirty="0" smtClean="0"/>
               <a:t> a present for you.</a:t>
             </a:r>
-            <a:endParaRPr lang="en-US" sz="3000" dirty="0" smtClean="0"/>
           </a:p>
           <a:p>
             <a:endParaRPr lang="en-US" sz="3000" dirty="0"/>
@@ -6017,6 +6007,26 @@
             <a:endParaRPr lang="en-US" dirty="0"/>
           </a:p>
           <a:p>
+            <a:r>
+              <a:rPr lang="en-US" dirty="0"/>
+              <a:t>https://</a:t>
+            </a:r>
+            <a:r>
+              <a:rPr lang="en-US" dirty="0" err="1"/>
+              <a:t>github.com</a:t>
+            </a:r>
+            <a:r>
+              <a:rPr lang="en-US" dirty="0"/>
+              <a:t>/</a:t>
+            </a:r>
+            <a:r>
+              <a:rPr lang="en-US" dirty="0" err="1"/>
+              <a:t>theJasonHelmick</a:t>
+            </a:r>
+            <a:r>
+              <a:rPr lang="en-US"/>
+              <a:t>/TechMentor2017</a:t>
+            </a:r>
             <a:endParaRPr lang="en-US" dirty="0"/>
           </a:p>
           <a:p>
